--- a/doc/manual.pptx
+++ b/doc/manual.pptx
@@ -6,6 +6,7 @@
   </p:sldMasterIdLst>
   <p:sldIdLst>
     <p:sldId id="256" r:id="rId2"/>
+    <p:sldId id="257" r:id="rId3"/>
   </p:sldIdLst>
   <p:sldSz cx="12192000" cy="6858000"/>
   <p:notesSz cx="6858000" cy="9144000"/>
@@ -104,6 +105,11 @@
       </a:defRPr>
     </a:lvl9pPr>
   </p:defaultTextStyle>
+  <p:extLst>
+    <p:ext uri="{EFAFB233-063F-42B5-8137-9DF3F51BA10A}">
+      <p15:sldGuideLst xmlns:p15="http://schemas.microsoft.com/office/powerpoint/2012/main"/>
+    </p:ext>
+  </p:extLst>
 </p:presentation>
 </file>
 
@@ -4389,6 +4395,713 @@
 </p:sld>
 </file>
 
+<file path=ppt/slides/slide2.xml><?xml version="1.0" encoding="utf-8"?>
+<p:sld xmlns:a="http://schemas.openxmlformats.org/drawingml/2006/main" xmlns:r="http://schemas.openxmlformats.org/officeDocument/2006/relationships" xmlns:p="http://schemas.openxmlformats.org/presentationml/2006/main">
+  <p:cSld>
+    <p:spTree>
+      <p:nvGrpSpPr>
+        <p:cNvPr id="1" name=""/>
+        <p:cNvGrpSpPr/>
+        <p:nvPr/>
+      </p:nvGrpSpPr>
+      <p:grpSpPr>
+        <a:xfrm>
+          <a:off x="0" y="0"/>
+          <a:ext cx="0" cy="0"/>
+          <a:chOff x="0" y="0"/>
+          <a:chExt cx="0" cy="0"/>
+        </a:xfrm>
+      </p:grpSpPr>
+      <p:pic>
+        <p:nvPicPr>
+          <p:cNvPr id="7" name="図 6">
+            <a:extLst>
+              <a:ext uri="{FF2B5EF4-FFF2-40B4-BE49-F238E27FC236}">
+                <a16:creationId xmlns:a16="http://schemas.microsoft.com/office/drawing/2014/main" id="{F17ED20B-AECD-3AF0-CAF9-5C9AB2EBBD53}"/>
+              </a:ext>
+            </a:extLst>
+          </p:cNvPr>
+          <p:cNvPicPr>
+            <a:picLocks noChangeAspect="1"/>
+          </p:cNvPicPr>
+          <p:nvPr/>
+        </p:nvPicPr>
+        <p:blipFill>
+          <a:blip r:embed="rId2"/>
+          <a:stretch>
+            <a:fillRect/>
+          </a:stretch>
+        </p:blipFill>
+        <p:spPr>
+          <a:xfrm>
+            <a:off x="1970764" y="473061"/>
+            <a:ext cx="7200900" cy="409575"/>
+          </a:xfrm>
+          <a:prstGeom prst="rect">
+            <a:avLst/>
+          </a:prstGeom>
+        </p:spPr>
+      </p:pic>
+      <p:pic>
+        <p:nvPicPr>
+          <p:cNvPr id="11" name="図 10">
+            <a:extLst>
+              <a:ext uri="{FF2B5EF4-FFF2-40B4-BE49-F238E27FC236}">
+                <a16:creationId xmlns:a16="http://schemas.microsoft.com/office/drawing/2014/main" id="{FA3940F1-F583-EDA8-FFCD-01D87E6A23CC}"/>
+              </a:ext>
+            </a:extLst>
+          </p:cNvPr>
+          <p:cNvPicPr>
+            <a:picLocks noChangeAspect="1"/>
+          </p:cNvPicPr>
+          <p:nvPr/>
+        </p:nvPicPr>
+        <p:blipFill>
+          <a:blip r:embed="rId3"/>
+          <a:stretch>
+            <a:fillRect/>
+          </a:stretch>
+        </p:blipFill>
+        <p:spPr>
+          <a:xfrm>
+            <a:off x="1996854" y="1471737"/>
+            <a:ext cx="7210425" cy="400050"/>
+          </a:xfrm>
+          <a:prstGeom prst="rect">
+            <a:avLst/>
+          </a:prstGeom>
+        </p:spPr>
+      </p:pic>
+      <p:pic>
+        <p:nvPicPr>
+          <p:cNvPr id="13" name="図 12">
+            <a:extLst>
+              <a:ext uri="{FF2B5EF4-FFF2-40B4-BE49-F238E27FC236}">
+                <a16:creationId xmlns:a16="http://schemas.microsoft.com/office/drawing/2014/main" id="{BC34997C-BEF1-9904-E5AF-45B3CB343BF2}"/>
+              </a:ext>
+            </a:extLst>
+          </p:cNvPr>
+          <p:cNvPicPr>
+            <a:picLocks noChangeAspect="1"/>
+          </p:cNvPicPr>
+          <p:nvPr/>
+        </p:nvPicPr>
+        <p:blipFill>
+          <a:blip r:embed="rId4"/>
+          <a:stretch>
+            <a:fillRect/>
+          </a:stretch>
+        </p:blipFill>
+        <p:spPr>
+          <a:xfrm>
+            <a:off x="1970764" y="2376611"/>
+            <a:ext cx="7277100" cy="419100"/>
+          </a:xfrm>
+          <a:prstGeom prst="rect">
+            <a:avLst/>
+          </a:prstGeom>
+        </p:spPr>
+      </p:pic>
+      <p:pic>
+        <p:nvPicPr>
+          <p:cNvPr id="17" name="図 16">
+            <a:extLst>
+              <a:ext uri="{FF2B5EF4-FFF2-40B4-BE49-F238E27FC236}">
+                <a16:creationId xmlns:a16="http://schemas.microsoft.com/office/drawing/2014/main" id="{865CA7F1-48FE-468E-1670-29E66172338D}"/>
+              </a:ext>
+            </a:extLst>
+          </p:cNvPr>
+          <p:cNvPicPr>
+            <a:picLocks noChangeAspect="1"/>
+          </p:cNvPicPr>
+          <p:nvPr/>
+        </p:nvPicPr>
+        <p:blipFill>
+          <a:blip r:embed="rId5"/>
+          <a:stretch>
+            <a:fillRect/>
+          </a:stretch>
+        </p:blipFill>
+        <p:spPr>
+          <a:xfrm>
+            <a:off x="2085065" y="3365762"/>
+            <a:ext cx="7162800" cy="419100"/>
+          </a:xfrm>
+          <a:prstGeom prst="rect">
+            <a:avLst/>
+          </a:prstGeom>
+        </p:spPr>
+      </p:pic>
+      <p:sp>
+        <p:nvSpPr>
+          <p:cNvPr id="18" name="吹き出し: 四角形 17">
+            <a:extLst>
+              <a:ext uri="{FF2B5EF4-FFF2-40B4-BE49-F238E27FC236}">
+                <a16:creationId xmlns:a16="http://schemas.microsoft.com/office/drawing/2014/main" id="{A36D0C59-EC9A-6FAA-94FC-F4EC6AE76AE1}"/>
+              </a:ext>
+            </a:extLst>
+          </p:cNvPr>
+          <p:cNvSpPr/>
+          <p:nvPr/>
+        </p:nvSpPr>
+        <p:spPr>
+          <a:xfrm>
+            <a:off x="601647" y="510870"/>
+            <a:ext cx="1208599" cy="333956"/>
+          </a:xfrm>
+          <a:prstGeom prst="wedgeRectCallout">
+            <a:avLst>
+              <a:gd name="adj1" fmla="val 58772"/>
+              <a:gd name="adj2" fmla="val 12501"/>
+            </a:avLst>
+          </a:prstGeom>
+          <a:ln>
+            <a:solidFill>
+              <a:schemeClr val="bg1"/>
+            </a:solidFill>
+          </a:ln>
+        </p:spPr>
+        <p:style>
+          <a:lnRef idx="2">
+            <a:schemeClr val="accent4">
+              <a:shade val="50000"/>
+            </a:schemeClr>
+          </a:lnRef>
+          <a:fillRef idx="1">
+            <a:schemeClr val="accent4"/>
+          </a:fillRef>
+          <a:effectRef idx="0">
+            <a:schemeClr val="accent4"/>
+          </a:effectRef>
+          <a:fontRef idx="minor">
+            <a:schemeClr val="lt1"/>
+          </a:fontRef>
+        </p:style>
+        <p:txBody>
+          <a:bodyPr rtlCol="0" anchor="ctr"/>
+          <a:lstStyle/>
+          <a:p>
+            <a:pPr algn="ctr"/>
+            <a:r>
+              <a:rPr kumimoji="1" lang="en-US" altLang="ja-JP" sz="1200" dirty="0">
+                <a:solidFill>
+                  <a:schemeClr val="tx1"/>
+                </a:solidFill>
+              </a:rPr>
+              <a:t>(1)</a:t>
+            </a:r>
+            <a:r>
+              <a:rPr kumimoji="1" lang="ja-JP" altLang="en-US" sz="1200" dirty="0">
+                <a:solidFill>
+                  <a:schemeClr val="tx1"/>
+                </a:solidFill>
+              </a:rPr>
+              <a:t>待機</a:t>
+            </a:r>
+          </a:p>
+        </p:txBody>
+      </p:sp>
+      <p:sp>
+        <p:nvSpPr>
+          <p:cNvPr id="19" name="吹き出し: 四角形 18">
+            <a:extLst>
+              <a:ext uri="{FF2B5EF4-FFF2-40B4-BE49-F238E27FC236}">
+                <a16:creationId xmlns:a16="http://schemas.microsoft.com/office/drawing/2014/main" id="{9781122F-C0CE-FDB0-772A-850348400F4D}"/>
+              </a:ext>
+            </a:extLst>
+          </p:cNvPr>
+          <p:cNvSpPr/>
+          <p:nvPr/>
+        </p:nvSpPr>
+        <p:spPr>
+          <a:xfrm>
+            <a:off x="601647" y="1537831"/>
+            <a:ext cx="1208599" cy="333956"/>
+          </a:xfrm>
+          <a:prstGeom prst="wedgeRectCallout">
+            <a:avLst>
+              <a:gd name="adj1" fmla="val 58772"/>
+              <a:gd name="adj2" fmla="val 12501"/>
+            </a:avLst>
+          </a:prstGeom>
+          <a:ln>
+            <a:solidFill>
+              <a:schemeClr val="bg1"/>
+            </a:solidFill>
+          </a:ln>
+        </p:spPr>
+        <p:style>
+          <a:lnRef idx="2">
+            <a:schemeClr val="accent4">
+              <a:shade val="50000"/>
+            </a:schemeClr>
+          </a:lnRef>
+          <a:fillRef idx="1">
+            <a:schemeClr val="accent4"/>
+          </a:fillRef>
+          <a:effectRef idx="0">
+            <a:schemeClr val="accent4"/>
+          </a:effectRef>
+          <a:fontRef idx="minor">
+            <a:schemeClr val="lt1"/>
+          </a:fontRef>
+        </p:style>
+        <p:txBody>
+          <a:bodyPr rtlCol="0" anchor="ctr"/>
+          <a:lstStyle/>
+          <a:p>
+            <a:pPr algn="ctr"/>
+            <a:r>
+              <a:rPr kumimoji="1" lang="en-US" altLang="ja-JP" sz="1200" dirty="0">
+                <a:solidFill>
+                  <a:schemeClr val="tx1"/>
+                </a:solidFill>
+              </a:rPr>
+              <a:t>(2)</a:t>
+            </a:r>
+            <a:r>
+              <a:rPr kumimoji="1" lang="ja-JP" altLang="en-US" sz="1200" dirty="0">
+                <a:solidFill>
+                  <a:schemeClr val="tx1"/>
+                </a:solidFill>
+              </a:rPr>
+              <a:t>録音中</a:t>
+            </a:r>
+          </a:p>
+        </p:txBody>
+      </p:sp>
+      <p:sp>
+        <p:nvSpPr>
+          <p:cNvPr id="20" name="吹き出し: 四角形 19">
+            <a:extLst>
+              <a:ext uri="{FF2B5EF4-FFF2-40B4-BE49-F238E27FC236}">
+                <a16:creationId xmlns:a16="http://schemas.microsoft.com/office/drawing/2014/main" id="{61B555C2-129B-19E9-4B56-09DC9A46010B}"/>
+              </a:ext>
+            </a:extLst>
+          </p:cNvPr>
+          <p:cNvSpPr/>
+          <p:nvPr/>
+        </p:nvSpPr>
+        <p:spPr>
+          <a:xfrm>
+            <a:off x="601647" y="2461755"/>
+            <a:ext cx="1208599" cy="333956"/>
+          </a:xfrm>
+          <a:prstGeom prst="wedgeRectCallout">
+            <a:avLst>
+              <a:gd name="adj1" fmla="val 58772"/>
+              <a:gd name="adj2" fmla="val 12501"/>
+            </a:avLst>
+          </a:prstGeom>
+          <a:ln>
+            <a:solidFill>
+              <a:schemeClr val="bg1"/>
+            </a:solidFill>
+          </a:ln>
+        </p:spPr>
+        <p:style>
+          <a:lnRef idx="2">
+            <a:schemeClr val="accent4">
+              <a:shade val="50000"/>
+            </a:schemeClr>
+          </a:lnRef>
+          <a:fillRef idx="1">
+            <a:schemeClr val="accent4"/>
+          </a:fillRef>
+          <a:effectRef idx="0">
+            <a:schemeClr val="accent4"/>
+          </a:effectRef>
+          <a:fontRef idx="minor">
+            <a:schemeClr val="lt1"/>
+          </a:fontRef>
+        </p:style>
+        <p:txBody>
+          <a:bodyPr rtlCol="0" anchor="ctr"/>
+          <a:lstStyle/>
+          <a:p>
+            <a:pPr algn="ctr"/>
+            <a:r>
+              <a:rPr kumimoji="1" lang="en-US" altLang="ja-JP" sz="1200" dirty="0">
+                <a:solidFill>
+                  <a:schemeClr val="tx1"/>
+                </a:solidFill>
+              </a:rPr>
+              <a:t>(3)</a:t>
+            </a:r>
+            <a:r>
+              <a:rPr lang="ja-JP" altLang="en-US" sz="1200" dirty="0">
+                <a:solidFill>
+                  <a:schemeClr val="tx1"/>
+                </a:solidFill>
+              </a:rPr>
+              <a:t>確認中</a:t>
+            </a:r>
+            <a:endParaRPr kumimoji="1" lang="ja-JP" altLang="en-US" sz="1200" dirty="0">
+              <a:solidFill>
+                <a:schemeClr val="tx1"/>
+              </a:solidFill>
+            </a:endParaRPr>
+          </a:p>
+        </p:txBody>
+      </p:sp>
+      <p:sp>
+        <p:nvSpPr>
+          <p:cNvPr id="21" name="吹き出し: 四角形 20">
+            <a:extLst>
+              <a:ext uri="{FF2B5EF4-FFF2-40B4-BE49-F238E27FC236}">
+                <a16:creationId xmlns:a16="http://schemas.microsoft.com/office/drawing/2014/main" id="{43A1EA21-319D-D4DC-4DDC-84B968802D3F}"/>
+              </a:ext>
+            </a:extLst>
+          </p:cNvPr>
+          <p:cNvSpPr/>
+          <p:nvPr/>
+        </p:nvSpPr>
+        <p:spPr>
+          <a:xfrm>
+            <a:off x="601647" y="3365762"/>
+            <a:ext cx="1208599" cy="333956"/>
+          </a:xfrm>
+          <a:prstGeom prst="wedgeRectCallout">
+            <a:avLst>
+              <a:gd name="adj1" fmla="val 58772"/>
+              <a:gd name="adj2" fmla="val 12501"/>
+            </a:avLst>
+          </a:prstGeom>
+          <a:ln>
+            <a:solidFill>
+              <a:schemeClr val="bg1"/>
+            </a:solidFill>
+          </a:ln>
+        </p:spPr>
+        <p:style>
+          <a:lnRef idx="2">
+            <a:schemeClr val="accent4">
+              <a:shade val="50000"/>
+            </a:schemeClr>
+          </a:lnRef>
+          <a:fillRef idx="1">
+            <a:schemeClr val="accent4"/>
+          </a:fillRef>
+          <a:effectRef idx="0">
+            <a:schemeClr val="accent4"/>
+          </a:effectRef>
+          <a:fontRef idx="minor">
+            <a:schemeClr val="lt1"/>
+          </a:fontRef>
+        </p:style>
+        <p:txBody>
+          <a:bodyPr rtlCol="0" anchor="ctr"/>
+          <a:lstStyle/>
+          <a:p>
+            <a:pPr algn="ctr"/>
+            <a:r>
+              <a:rPr kumimoji="1" lang="en-US" altLang="ja-JP" sz="1200" dirty="0">
+                <a:solidFill>
+                  <a:schemeClr val="tx1"/>
+                </a:solidFill>
+              </a:rPr>
+              <a:t>(4)</a:t>
+            </a:r>
+            <a:r>
+              <a:rPr lang="ja-JP" altLang="en-US" sz="1200" dirty="0">
+                <a:solidFill>
+                  <a:schemeClr val="tx1"/>
+                </a:solidFill>
+              </a:rPr>
+              <a:t>再生中</a:t>
+            </a:r>
+            <a:endParaRPr kumimoji="1" lang="ja-JP" altLang="en-US" sz="1200" dirty="0">
+              <a:solidFill>
+                <a:schemeClr val="tx1"/>
+              </a:solidFill>
+            </a:endParaRPr>
+          </a:p>
+        </p:txBody>
+      </p:sp>
+      <p:pic>
+        <p:nvPicPr>
+          <p:cNvPr id="23" name="図 22">
+            <a:extLst>
+              <a:ext uri="{FF2B5EF4-FFF2-40B4-BE49-F238E27FC236}">
+                <a16:creationId xmlns:a16="http://schemas.microsoft.com/office/drawing/2014/main" id="{746FD7C8-23B7-F048-BE4A-612C1B14076D}"/>
+              </a:ext>
+            </a:extLst>
+          </p:cNvPr>
+          <p:cNvPicPr>
+            <a:picLocks noChangeAspect="1"/>
+          </p:cNvPicPr>
+          <p:nvPr/>
+        </p:nvPicPr>
+        <p:blipFill>
+          <a:blip r:embed="rId6"/>
+          <a:stretch>
+            <a:fillRect/>
+          </a:stretch>
+        </p:blipFill>
+        <p:spPr>
+          <a:xfrm>
+            <a:off x="3673711" y="4780317"/>
+            <a:ext cx="3561978" cy="1439384"/>
+          </a:xfrm>
+          <a:prstGeom prst="rect">
+            <a:avLst/>
+          </a:prstGeom>
+        </p:spPr>
+      </p:pic>
+      <p:sp>
+        <p:nvSpPr>
+          <p:cNvPr id="24" name="吹き出し: 四角形 23">
+            <a:extLst>
+              <a:ext uri="{FF2B5EF4-FFF2-40B4-BE49-F238E27FC236}">
+                <a16:creationId xmlns:a16="http://schemas.microsoft.com/office/drawing/2014/main" id="{ED3A9850-4C00-D316-6410-A7C165F12CA3}"/>
+              </a:ext>
+            </a:extLst>
+          </p:cNvPr>
+          <p:cNvSpPr/>
+          <p:nvPr/>
+        </p:nvSpPr>
+        <p:spPr>
+          <a:xfrm>
+            <a:off x="3395415" y="4350192"/>
+            <a:ext cx="1208599" cy="425404"/>
+          </a:xfrm>
+          <a:prstGeom prst="wedgeRectCallout">
+            <a:avLst>
+              <a:gd name="adj1" fmla="val 24561"/>
+              <a:gd name="adj2" fmla="val 76786"/>
+            </a:avLst>
+          </a:prstGeom>
+          <a:ln>
+            <a:solidFill>
+              <a:schemeClr val="bg1"/>
+            </a:solidFill>
+          </a:ln>
+        </p:spPr>
+        <p:style>
+          <a:lnRef idx="2">
+            <a:schemeClr val="accent4">
+              <a:shade val="50000"/>
+            </a:schemeClr>
+          </a:lnRef>
+          <a:fillRef idx="1">
+            <a:schemeClr val="accent4"/>
+          </a:fillRef>
+          <a:effectRef idx="0">
+            <a:schemeClr val="accent4"/>
+          </a:effectRef>
+          <a:fontRef idx="minor">
+            <a:schemeClr val="lt1"/>
+          </a:fontRef>
+        </p:style>
+        <p:txBody>
+          <a:bodyPr rtlCol="0" anchor="ctr"/>
+          <a:lstStyle/>
+          <a:p>
+            <a:pPr algn="ctr"/>
+            <a:r>
+              <a:rPr kumimoji="1" lang="en-US" altLang="ja-JP" sz="1200" dirty="0">
+                <a:solidFill>
+                  <a:schemeClr val="tx1"/>
+                </a:solidFill>
+              </a:rPr>
+              <a:t>(1)</a:t>
+            </a:r>
+            <a:r>
+              <a:rPr lang="ja-JP" altLang="en-US" sz="1200" dirty="0">
+                <a:solidFill>
+                  <a:schemeClr val="tx1"/>
+                </a:solidFill>
+              </a:rPr>
+              <a:t>音声の長さと再生位置</a:t>
+            </a:r>
+            <a:endParaRPr kumimoji="1" lang="ja-JP" altLang="en-US" sz="1200" dirty="0">
+              <a:solidFill>
+                <a:schemeClr val="tx1"/>
+              </a:solidFill>
+            </a:endParaRPr>
+          </a:p>
+        </p:txBody>
+      </p:sp>
+      <p:sp>
+        <p:nvSpPr>
+          <p:cNvPr id="25" name="吹き出し: 四角形 24">
+            <a:extLst>
+              <a:ext uri="{FF2B5EF4-FFF2-40B4-BE49-F238E27FC236}">
+                <a16:creationId xmlns:a16="http://schemas.microsoft.com/office/drawing/2014/main" id="{123AEC16-E5C4-2948-9080-5CCDAE66F1F3}"/>
+              </a:ext>
+            </a:extLst>
+          </p:cNvPr>
+          <p:cNvSpPr/>
+          <p:nvPr/>
+        </p:nvSpPr>
+        <p:spPr>
+          <a:xfrm>
+            <a:off x="5062165" y="4350192"/>
+            <a:ext cx="1208599" cy="425404"/>
+          </a:xfrm>
+          <a:prstGeom prst="wedgeRectCallout">
+            <a:avLst>
+              <a:gd name="adj1" fmla="val 24561"/>
+              <a:gd name="adj2" fmla="val 76786"/>
+            </a:avLst>
+          </a:prstGeom>
+          <a:ln>
+            <a:solidFill>
+              <a:schemeClr val="bg1"/>
+            </a:solidFill>
+          </a:ln>
+        </p:spPr>
+        <p:style>
+          <a:lnRef idx="2">
+            <a:schemeClr val="accent4">
+              <a:shade val="50000"/>
+            </a:schemeClr>
+          </a:lnRef>
+          <a:fillRef idx="1">
+            <a:schemeClr val="accent4"/>
+          </a:fillRef>
+          <a:effectRef idx="0">
+            <a:schemeClr val="accent4"/>
+          </a:effectRef>
+          <a:fontRef idx="minor">
+            <a:schemeClr val="lt1"/>
+          </a:fontRef>
+        </p:style>
+        <p:txBody>
+          <a:bodyPr rtlCol="0" anchor="ctr"/>
+          <a:lstStyle/>
+          <a:p>
+            <a:pPr algn="ctr"/>
+            <a:r>
+              <a:rPr kumimoji="1" lang="en-US" altLang="ja-JP" sz="1200" dirty="0">
+                <a:solidFill>
+                  <a:schemeClr val="tx1"/>
+                </a:solidFill>
+              </a:rPr>
+              <a:t>(2)</a:t>
+            </a:r>
+            <a:r>
+              <a:rPr kumimoji="1" lang="ja-JP" altLang="en-US" sz="1200" dirty="0">
+                <a:solidFill>
+                  <a:schemeClr val="tx1"/>
+                </a:solidFill>
+              </a:rPr>
+              <a:t>切り出し</a:t>
+            </a:r>
+            <a:endParaRPr kumimoji="1" lang="en-US" altLang="ja-JP" sz="1200" dirty="0">
+              <a:solidFill>
+                <a:schemeClr val="tx1"/>
+              </a:solidFill>
+            </a:endParaRPr>
+          </a:p>
+          <a:p>
+            <a:pPr algn="ctr"/>
+            <a:r>
+              <a:rPr kumimoji="1" lang="ja-JP" altLang="en-US" sz="1200" dirty="0">
+                <a:solidFill>
+                  <a:schemeClr val="tx1"/>
+                </a:solidFill>
+              </a:rPr>
+              <a:t>時間</a:t>
+            </a:r>
+          </a:p>
+        </p:txBody>
+      </p:sp>
+      <p:sp>
+        <p:nvSpPr>
+          <p:cNvPr id="26" name="吹き出し: 四角形 25">
+            <a:extLst>
+              <a:ext uri="{FF2B5EF4-FFF2-40B4-BE49-F238E27FC236}">
+                <a16:creationId xmlns:a16="http://schemas.microsoft.com/office/drawing/2014/main" id="{AB725102-2B66-5AF9-70FA-0F545C898C58}"/>
+              </a:ext>
+            </a:extLst>
+          </p:cNvPr>
+          <p:cNvSpPr/>
+          <p:nvPr/>
+        </p:nvSpPr>
+        <p:spPr>
+          <a:xfrm>
+            <a:off x="3792981" y="6070610"/>
+            <a:ext cx="1208599" cy="425404"/>
+          </a:xfrm>
+          <a:prstGeom prst="wedgeRectCallout">
+            <a:avLst>
+              <a:gd name="adj1" fmla="val 17324"/>
+              <a:gd name="adj2" fmla="val -74613"/>
+            </a:avLst>
+          </a:prstGeom>
+          <a:ln>
+            <a:solidFill>
+              <a:schemeClr val="bg1"/>
+            </a:solidFill>
+          </a:ln>
+        </p:spPr>
+        <p:style>
+          <a:lnRef idx="2">
+            <a:schemeClr val="accent4">
+              <a:shade val="50000"/>
+            </a:schemeClr>
+          </a:lnRef>
+          <a:fillRef idx="1">
+            <a:schemeClr val="accent4"/>
+          </a:fillRef>
+          <a:effectRef idx="0">
+            <a:schemeClr val="accent4"/>
+          </a:effectRef>
+          <a:fontRef idx="minor">
+            <a:schemeClr val="lt1"/>
+          </a:fontRef>
+        </p:style>
+        <p:txBody>
+          <a:bodyPr rtlCol="0" anchor="ctr"/>
+          <a:lstStyle/>
+          <a:p>
+            <a:pPr algn="ctr"/>
+            <a:r>
+              <a:rPr kumimoji="1" lang="en-US" altLang="ja-JP" sz="1200" dirty="0">
+                <a:solidFill>
+                  <a:schemeClr val="tx1"/>
+                </a:solidFill>
+              </a:rPr>
+              <a:t>(3)</a:t>
+            </a:r>
+            <a:r>
+              <a:rPr kumimoji="1" lang="ja-JP" altLang="en-US" sz="1200" dirty="0">
+                <a:solidFill>
+                  <a:schemeClr val="tx1"/>
+                </a:solidFill>
+              </a:rPr>
+              <a:t>切り出し</a:t>
+            </a:r>
+            <a:r>
+              <a:rPr lang="ja-JP" altLang="en-US" sz="1200" dirty="0">
+                <a:solidFill>
+                  <a:schemeClr val="tx1"/>
+                </a:solidFill>
+              </a:rPr>
+              <a:t>位置調整枠</a:t>
+            </a:r>
+            <a:endParaRPr kumimoji="1" lang="en-US" altLang="ja-JP" sz="1200" dirty="0">
+              <a:solidFill>
+                <a:schemeClr val="tx1"/>
+              </a:solidFill>
+            </a:endParaRPr>
+          </a:p>
+        </p:txBody>
+      </p:sp>
+    </p:spTree>
+    <p:extLst>
+      <p:ext uri="{BB962C8B-B14F-4D97-AF65-F5344CB8AC3E}">
+        <p14:creationId xmlns:p14="http://schemas.microsoft.com/office/powerpoint/2010/main" val="3637712051"/>
+      </p:ext>
+    </p:extLst>
+  </p:cSld>
+  <p:clrMapOvr>
+    <a:masterClrMapping/>
+  </p:clrMapOvr>
+</p:sld>
+</file>
+
 <file path=ppt/theme/theme1.xml><?xml version="1.0" encoding="utf-8"?>
 <a:theme xmlns:a="http://schemas.openxmlformats.org/drawingml/2006/main" name="Office テーマ">
   <a:themeElements>
